--- a/Slides/Unit 1/CS8382_U1_6_DataTypes.pptx
+++ b/Slides/Unit 1/CS8382_U1_6_DataTypes.pptx
@@ -5,7 +5,7 @@
     <p:sldMasterId id="2147483648" r:id="rId1"/>
   </p:sldMasterIdLst>
   <p:notesMasterIdLst>
-    <p:notesMasterId r:id="rId7"/>
+    <p:notesMasterId r:id="rId8"/>
   </p:notesMasterIdLst>
   <p:sldIdLst>
     <p:sldId id="256" r:id="rId2"/>
@@ -13,6 +13,7 @@
     <p:sldId id="258" r:id="rId4"/>
     <p:sldId id="259" r:id="rId5"/>
     <p:sldId id="260" r:id="rId6"/>
+    <p:sldId id="261" r:id="rId7"/>
   </p:sldIdLst>
   <p:sldSz cx="9144000" cy="6858000" type="screen4x3"/>
   <p:notesSz cx="6858000" cy="9144000"/>
@@ -196,6 +197,7 @@
           <a:p>
             <a:fld id="{9515075B-F3F0-4441-A1BD-B7B515B708FF}" type="datetimeFigureOut">
               <a:rPr lang="en-US" smtClean="0"/>
+              <a:pPr/>
               <a:t>7/8/2018</a:t>
             </a:fld>
             <a:endParaRPr lang="en-US"/>
@@ -357,6 +359,7 @@
           <a:p>
             <a:fld id="{7399046D-0A48-46A7-81AC-1A4C0754FE96}" type="slidenum">
               <a:rPr lang="en-US" smtClean="0"/>
+              <a:pPr/>
               <a:t>‹#›</a:t>
             </a:fld>
             <a:endParaRPr lang="en-US"/>
@@ -528,6 +531,7 @@
           <a:p>
             <a:fld id="{7399046D-0A48-46A7-81AC-1A4C0754FE96}" type="slidenum">
               <a:rPr lang="en-US" smtClean="0"/>
+              <a:pPr/>
               <a:t>2</a:t>
             </a:fld>
             <a:endParaRPr lang="en-US"/>
@@ -730,6 +734,7 @@
           <a:p>
             <a:fld id="{6E658DF8-B8C0-4C7F-85EB-B53A2DDD44A9}" type="datetimeFigureOut">
               <a:rPr lang="en-US" smtClean="0"/>
+              <a:pPr/>
               <a:t>7/8/2018</a:t>
             </a:fld>
             <a:endParaRPr lang="en-US"/>
@@ -772,6 +777,7 @@
           <a:p>
             <a:fld id="{6481E28F-C002-4096-B1E0-7EE74BFE7C79}" type="slidenum">
               <a:rPr lang="en-US" smtClean="0"/>
+              <a:pPr/>
               <a:t>‹#›</a:t>
             </a:fld>
             <a:endParaRPr lang="en-US"/>
@@ -895,6 +901,7 @@
           <a:p>
             <a:fld id="{6E658DF8-B8C0-4C7F-85EB-B53A2DDD44A9}" type="datetimeFigureOut">
               <a:rPr lang="en-US" smtClean="0"/>
+              <a:pPr/>
               <a:t>7/8/2018</a:t>
             </a:fld>
             <a:endParaRPr lang="en-US"/>
@@ -937,6 +944,7 @@
           <a:p>
             <a:fld id="{6481E28F-C002-4096-B1E0-7EE74BFE7C79}" type="slidenum">
               <a:rPr lang="en-US" smtClean="0"/>
+              <a:pPr/>
               <a:t>‹#›</a:t>
             </a:fld>
             <a:endParaRPr lang="en-US"/>
@@ -1070,6 +1078,7 @@
           <a:p>
             <a:fld id="{6E658DF8-B8C0-4C7F-85EB-B53A2DDD44A9}" type="datetimeFigureOut">
               <a:rPr lang="en-US" smtClean="0"/>
+              <a:pPr/>
               <a:t>7/8/2018</a:t>
             </a:fld>
             <a:endParaRPr lang="en-US"/>
@@ -1112,6 +1121,7 @@
           <a:p>
             <a:fld id="{6481E28F-C002-4096-B1E0-7EE74BFE7C79}" type="slidenum">
               <a:rPr lang="en-US" smtClean="0"/>
+              <a:pPr/>
               <a:t>‹#›</a:t>
             </a:fld>
             <a:endParaRPr lang="en-US"/>
@@ -1267,6 +1277,7 @@
           <a:p>
             <a:fld id="{6E658DF8-B8C0-4C7F-85EB-B53A2DDD44A9}" type="datetimeFigureOut">
               <a:rPr lang="en-US" smtClean="0"/>
+              <a:pPr/>
               <a:t>7/8/2018</a:t>
             </a:fld>
             <a:endParaRPr lang="en-US"/>
@@ -1309,6 +1320,7 @@
           <a:p>
             <a:fld id="{6481E28F-C002-4096-B1E0-7EE74BFE7C79}" type="slidenum">
               <a:rPr lang="en-US" smtClean="0"/>
+              <a:pPr/>
               <a:t>‹#›</a:t>
             </a:fld>
             <a:endParaRPr lang="en-US"/>
@@ -1508,6 +1520,7 @@
           <a:p>
             <a:fld id="{6E658DF8-B8C0-4C7F-85EB-B53A2DDD44A9}" type="datetimeFigureOut">
               <a:rPr lang="en-US" smtClean="0"/>
+              <a:pPr/>
               <a:t>7/8/2018</a:t>
             </a:fld>
             <a:endParaRPr lang="en-US"/>
@@ -1550,6 +1563,7 @@
           <a:p>
             <a:fld id="{6481E28F-C002-4096-B1E0-7EE74BFE7C79}" type="slidenum">
               <a:rPr lang="en-US" smtClean="0"/>
+              <a:pPr/>
               <a:t>‹#›</a:t>
             </a:fld>
             <a:endParaRPr lang="en-US"/>
@@ -1791,6 +1805,7 @@
           <a:p>
             <a:fld id="{6E658DF8-B8C0-4C7F-85EB-B53A2DDD44A9}" type="datetimeFigureOut">
               <a:rPr lang="en-US" smtClean="0"/>
+              <a:pPr/>
               <a:t>7/8/2018</a:t>
             </a:fld>
             <a:endParaRPr lang="en-US"/>
@@ -1833,6 +1848,7 @@
           <a:p>
             <a:fld id="{6481E28F-C002-4096-B1E0-7EE74BFE7C79}" type="slidenum">
               <a:rPr lang="en-US" smtClean="0"/>
+              <a:pPr/>
               <a:t>‹#›</a:t>
             </a:fld>
             <a:endParaRPr lang="en-US"/>
@@ -2208,6 +2224,7 @@
           <a:p>
             <a:fld id="{6E658DF8-B8C0-4C7F-85EB-B53A2DDD44A9}" type="datetimeFigureOut">
               <a:rPr lang="en-US" smtClean="0"/>
+              <a:pPr/>
               <a:t>7/8/2018</a:t>
             </a:fld>
             <a:endParaRPr lang="en-US"/>
@@ -2250,6 +2267,7 @@
           <a:p>
             <a:fld id="{6481E28F-C002-4096-B1E0-7EE74BFE7C79}" type="slidenum">
               <a:rPr lang="en-US" smtClean="0"/>
+              <a:pPr/>
               <a:t>‹#›</a:t>
             </a:fld>
             <a:endParaRPr lang="en-US"/>
@@ -2321,6 +2339,7 @@
           <a:p>
             <a:fld id="{6E658DF8-B8C0-4C7F-85EB-B53A2DDD44A9}" type="datetimeFigureOut">
               <a:rPr lang="en-US" smtClean="0"/>
+              <a:pPr/>
               <a:t>7/8/2018</a:t>
             </a:fld>
             <a:endParaRPr lang="en-US"/>
@@ -2363,6 +2382,7 @@
           <a:p>
             <a:fld id="{6481E28F-C002-4096-B1E0-7EE74BFE7C79}" type="slidenum">
               <a:rPr lang="en-US" smtClean="0"/>
+              <a:pPr/>
               <a:t>‹#›</a:t>
             </a:fld>
             <a:endParaRPr lang="en-US"/>
@@ -2411,6 +2431,7 @@
           <a:p>
             <a:fld id="{6E658DF8-B8C0-4C7F-85EB-B53A2DDD44A9}" type="datetimeFigureOut">
               <a:rPr lang="en-US" smtClean="0"/>
+              <a:pPr/>
               <a:t>7/8/2018</a:t>
             </a:fld>
             <a:endParaRPr lang="en-US"/>
@@ -2453,6 +2474,7 @@
           <a:p>
             <a:fld id="{6481E28F-C002-4096-B1E0-7EE74BFE7C79}" type="slidenum">
               <a:rPr lang="en-US" smtClean="0"/>
+              <a:pPr/>
               <a:t>‹#›</a:t>
             </a:fld>
             <a:endParaRPr lang="en-US"/>
@@ -2683,6 +2705,7 @@
           <a:p>
             <a:fld id="{6E658DF8-B8C0-4C7F-85EB-B53A2DDD44A9}" type="datetimeFigureOut">
               <a:rPr lang="en-US" smtClean="0"/>
+              <a:pPr/>
               <a:t>7/8/2018</a:t>
             </a:fld>
             <a:endParaRPr lang="en-US"/>
@@ -2725,6 +2748,7 @@
           <a:p>
             <a:fld id="{6481E28F-C002-4096-B1E0-7EE74BFE7C79}" type="slidenum">
               <a:rPr lang="en-US" smtClean="0"/>
+              <a:pPr/>
               <a:t>‹#›</a:t>
             </a:fld>
             <a:endParaRPr lang="en-US"/>
@@ -2931,6 +2955,7 @@
           <a:p>
             <a:fld id="{6E658DF8-B8C0-4C7F-85EB-B53A2DDD44A9}" type="datetimeFigureOut">
               <a:rPr lang="en-US" smtClean="0"/>
+              <a:pPr/>
               <a:t>7/8/2018</a:t>
             </a:fld>
             <a:endParaRPr lang="en-US"/>
@@ -2973,6 +2998,7 @@
           <a:p>
             <a:fld id="{6481E28F-C002-4096-B1E0-7EE74BFE7C79}" type="slidenum">
               <a:rPr lang="en-US" smtClean="0"/>
+              <a:pPr/>
               <a:t>‹#›</a:t>
             </a:fld>
             <a:endParaRPr lang="en-US"/>
@@ -3145,6 +3171,7 @@
           <a:p>
             <a:fld id="{6E658DF8-B8C0-4C7F-85EB-B53A2DDD44A9}" type="datetimeFigureOut">
               <a:rPr lang="en-US" smtClean="0"/>
+              <a:pPr/>
               <a:t>7/8/2018</a:t>
             </a:fld>
             <a:endParaRPr lang="en-US"/>
@@ -3223,6 +3250,7 @@
           <a:p>
             <a:fld id="{6481E28F-C002-4096-B1E0-7EE74BFE7C79}" type="slidenum">
               <a:rPr lang="en-US" smtClean="0"/>
+              <a:pPr/>
               <a:t>‹#›</a:t>
             </a:fld>
             <a:endParaRPr lang="en-US"/>
@@ -5823,6 +5851,69 @@
           </a:graphicData>
         </a:graphic>
       </p:graphicFrame>
+    </p:spTree>
+  </p:cSld>
+  <p:clrMapOvr>
+    <a:masterClrMapping/>
+  </p:clrMapOvr>
+</p:sld>
+</file>
+
+<file path=ppt/slides/slide6.xml><?xml version="1.0" encoding="utf-8"?>
+<p:sld xmlns:a="http://schemas.openxmlformats.org/drawingml/2006/main" xmlns:r="http://schemas.openxmlformats.org/officeDocument/2006/relationships" xmlns:p="http://schemas.openxmlformats.org/presentationml/2006/main">
+  <p:cSld>
+    <p:spTree>
+      <p:nvGrpSpPr>
+        <p:cNvPr id="1" name=""/>
+        <p:cNvGrpSpPr/>
+        <p:nvPr/>
+      </p:nvGrpSpPr>
+      <p:grpSpPr>
+        <a:xfrm>
+          <a:off x="0" y="0"/>
+          <a:ext cx="0" cy="0"/>
+          <a:chOff x="0" y="0"/>
+          <a:chExt cx="0" cy="0"/>
+        </a:xfrm>
+      </p:grpSpPr>
+      <p:sp>
+        <p:nvSpPr>
+          <p:cNvPr id="2" name="Title 1"/>
+          <p:cNvSpPr>
+            <a:spLocks noGrp="1"/>
+          </p:cNvSpPr>
+          <p:nvPr>
+            <p:ph type="title"/>
+          </p:nvPr>
+        </p:nvSpPr>
+        <p:spPr/>
+        <p:txBody>
+          <a:bodyPr/>
+          <a:lstStyle/>
+          <a:p>
+            <a:endParaRPr lang="en-US"/>
+          </a:p>
+        </p:txBody>
+      </p:sp>
+      <p:sp>
+        <p:nvSpPr>
+          <p:cNvPr id="3" name="Content Placeholder 2"/>
+          <p:cNvSpPr>
+            <a:spLocks noGrp="1"/>
+          </p:cNvSpPr>
+          <p:nvPr>
+            <p:ph idx="1"/>
+          </p:nvPr>
+        </p:nvSpPr>
+        <p:spPr/>
+        <p:txBody>
+          <a:bodyPr/>
+          <a:lstStyle/>
+          <a:p>
+            <a:endParaRPr lang="en-US"/>
+          </a:p>
+        </p:txBody>
+      </p:sp>
     </p:spTree>
   </p:cSld>
   <p:clrMapOvr>

--- a/Slides/Unit 1/CS8382_U1_6_DataTypes.pptx
+++ b/Slides/Unit 1/CS8382_U1_6_DataTypes.pptx
@@ -4779,7 +4779,7 @@
         </p:nvGraphicFramePr>
         <p:xfrm>
           <a:off x="457200" y="1600200"/>
-          <a:ext cx="8229600" cy="4486966"/>
+          <a:ext cx="8229600" cy="3998545"/>
         </p:xfrm>
         <a:graphic>
           <a:graphicData uri="http://schemas.openxmlformats.org/drawingml/2006/table">
@@ -4792,7 +4792,7 @@
                 <a:gridCol w="2743200"/>
                 <a:gridCol w="2743200"/>
               </a:tblGrid>
-              <a:tr h="684991">
+              <a:tr h="581644">
                 <a:tc>
                   <a:txBody>
                     <a:bodyPr/>
@@ -4851,7 +4851,7 @@
                   <a:tcPr anchor="ctr"/>
                 </a:tc>
               </a:tr>
-              <a:tr h="684991">
+              <a:tr h="581644">
                 <a:tc>
                   <a:txBody>
                     <a:bodyPr/>
@@ -4910,7 +4910,7 @@
                   <a:tcPr marL="95250" marR="95250" anchor="ctr"/>
                 </a:tc>
               </a:tr>
-              <a:tr h="684991">
+              <a:tr h="581644">
                 <a:tc>
                   <a:txBody>
                     <a:bodyPr/>
@@ -4963,7 +4963,7 @@
                   <a:tcPr marL="95250" marR="95250" anchor="ctr"/>
                 </a:tc>
               </a:tr>
-              <a:tr h="1182313">
+              <a:tr h="1003933">
                 <a:tc>
                   <a:txBody>
                     <a:bodyPr/>
@@ -5019,7 +5019,7 @@
                   <a:tcPr marL="95250" marR="95250" anchor="ctr"/>
                 </a:tc>
               </a:tr>
-              <a:tr h="1182313">
+              <a:tr h="1061136">
                 <a:tc>
                   <a:txBody>
                     <a:bodyPr/>
@@ -5076,6 +5076,46 @@
           </a:graphicData>
         </a:graphic>
       </p:graphicFrame>
+      <p:sp>
+        <p:nvSpPr>
+          <p:cNvPr id="4" name="Rectangle 3"/>
+          <p:cNvSpPr/>
+          <p:nvPr/>
+        </p:nvSpPr>
+        <p:spPr>
+          <a:xfrm>
+            <a:off x="762000" y="5943601"/>
+            <a:ext cx="2170209" cy="646331"/>
+          </a:xfrm>
+          <a:prstGeom prst="rect">
+            <a:avLst/>
+          </a:prstGeom>
+        </p:spPr>
+        <p:txBody>
+          <a:bodyPr wrap="square">
+            <a:spAutoFit/>
+          </a:bodyPr>
+          <a:lstStyle/>
+          <a:p>
+            <a:r>
+              <a:rPr lang="en-US" dirty="0" smtClean="0">
+                <a:hlinkClick r:id="rId2"/>
+              </a:rPr>
+              <a:t>http://</a:t>
+            </a:r>
+            <a:r>
+              <a:rPr lang="en-US" dirty="0" smtClean="0">
+                <a:hlinkClick r:id="rId2"/>
+              </a:rPr>
+              <a:t>bit.ly/2m0IoFz</a:t>
+            </a:r>
+            <a:endParaRPr lang="en-US" dirty="0" smtClean="0"/>
+          </a:p>
+          <a:p>
+            <a:endParaRPr lang="en-US" dirty="0" smtClean="0"/>
+          </a:p>
+        </p:txBody>
+      </p:sp>
     </p:spTree>
   </p:cSld>
   <p:clrMapOvr>

--- a/Slides/Unit 1/CS8382_U1_6_DataTypes.pptx
+++ b/Slides/Unit 1/CS8382_U1_6_DataTypes.pptx
@@ -3682,6 +3682,13 @@
   <p:clrMapOvr>
     <a:masterClrMapping/>
   </p:clrMapOvr>
+  <p:timing>
+    <p:tnLst>
+      <p:par>
+        <p:cTn id="1" dur="indefinite" restart="never" nodeType="tmRoot"/>
+      </p:par>
+    </p:tnLst>
+  </p:timing>
 </p:sld>
 </file>
 
@@ -4724,6 +4731,13 @@
   <p:clrMapOvr>
     <a:masterClrMapping/>
   </p:clrMapOvr>
+  <p:timing>
+    <p:tnLst>
+      <p:par>
+        <p:cTn id="1" dur="indefinite" restart="never" nodeType="tmRoot"/>
+      </p:par>
+    </p:tnLst>
+  </p:timing>
 </p:sld>
 </file>
 
@@ -5121,6 +5135,13 @@
   <p:clrMapOvr>
     <a:masterClrMapping/>
   </p:clrMapOvr>
+  <p:timing>
+    <p:tnLst>
+      <p:par>
+        <p:cTn id="1" dur="indefinite" restart="never" nodeType="tmRoot"/>
+      </p:par>
+    </p:tnLst>
+  </p:timing>
 </p:sld>
 </file>
 
@@ -5435,11 +5456,58 @@
           </a:graphicData>
         </a:graphic>
       </p:graphicFrame>
+      <p:sp>
+        <p:nvSpPr>
+          <p:cNvPr id="5" name="Rectangle 4"/>
+          <p:cNvSpPr/>
+          <p:nvPr/>
+        </p:nvSpPr>
+        <p:spPr>
+          <a:xfrm>
+            <a:off x="1600200" y="4800600"/>
+            <a:ext cx="2104487" cy="646331"/>
+          </a:xfrm>
+          <a:prstGeom prst="rect">
+            <a:avLst/>
+          </a:prstGeom>
+        </p:spPr>
+        <p:txBody>
+          <a:bodyPr wrap="none">
+            <a:spAutoFit/>
+          </a:bodyPr>
+          <a:lstStyle/>
+          <a:p>
+            <a:r>
+              <a:rPr lang="en-US" dirty="0" smtClean="0">
+                <a:hlinkClick r:id="rId2"/>
+              </a:rPr>
+              <a:t>http://</a:t>
+            </a:r>
+            <a:r>
+              <a:rPr lang="en-US" dirty="0" smtClean="0">
+                <a:hlinkClick r:id="rId2"/>
+              </a:rPr>
+              <a:t>bit.ly/2KJUIZF</a:t>
+            </a:r>
+            <a:endParaRPr lang="en-US" dirty="0" smtClean="0"/>
+          </a:p>
+          <a:p>
+            <a:endParaRPr lang="en-US" dirty="0"/>
+          </a:p>
+        </p:txBody>
+      </p:sp>
     </p:spTree>
   </p:cSld>
   <p:clrMapOvr>
     <a:masterClrMapping/>
   </p:clrMapOvr>
+  <p:timing>
+    <p:tnLst>
+      <p:par>
+        <p:cTn id="1" dur="indefinite" restart="never" nodeType="tmRoot"/>
+      </p:par>
+    </p:tnLst>
+  </p:timing>
 </p:sld>
 </file>
 
@@ -5896,6 +5964,13 @@
   <p:clrMapOvr>
     <a:masterClrMapping/>
   </p:clrMapOvr>
+  <p:timing>
+    <p:tnLst>
+      <p:par>
+        <p:cTn id="1" dur="indefinite" restart="never" nodeType="tmRoot"/>
+      </p:par>
+    </p:tnLst>
+  </p:timing>
 </p:sld>
 </file>
 

--- a/Slides/Unit 1/CS8382_U1_6_DataTypes.pptx
+++ b/Slides/Unit 1/CS8382_U1_6_DataTypes.pptx
@@ -5,7 +5,7 @@
     <p:sldMasterId id="2147483648" r:id="rId1"/>
   </p:sldMasterIdLst>
   <p:notesMasterIdLst>
-    <p:notesMasterId r:id="rId8"/>
+    <p:notesMasterId r:id="rId10"/>
   </p:notesMasterIdLst>
   <p:sldIdLst>
     <p:sldId id="256" r:id="rId2"/>
@@ -14,6 +14,8 @@
     <p:sldId id="259" r:id="rId5"/>
     <p:sldId id="260" r:id="rId6"/>
     <p:sldId id="261" r:id="rId7"/>
+    <p:sldId id="262" r:id="rId8"/>
+    <p:sldId id="263" r:id="rId9"/>
   </p:sldIdLst>
   <p:sldSz cx="9144000" cy="6858000" type="screen4x3"/>
   <p:notesSz cx="6858000" cy="9144000"/>
@@ -198,7 +200,7 @@
             <a:fld id="{9515075B-F3F0-4441-A1BD-B7B515B708FF}" type="datetimeFigureOut">
               <a:rPr lang="en-US" smtClean="0"/>
               <a:pPr/>
-              <a:t>7/8/2018</a:t>
+              <a:t>7/9/2018</a:t>
             </a:fld>
             <a:endParaRPr lang="en-US"/>
           </a:p>
@@ -735,7 +737,7 @@
             <a:fld id="{6E658DF8-B8C0-4C7F-85EB-B53A2DDD44A9}" type="datetimeFigureOut">
               <a:rPr lang="en-US" smtClean="0"/>
               <a:pPr/>
-              <a:t>7/8/2018</a:t>
+              <a:t>7/9/2018</a:t>
             </a:fld>
             <a:endParaRPr lang="en-US"/>
           </a:p>
@@ -902,7 +904,7 @@
             <a:fld id="{6E658DF8-B8C0-4C7F-85EB-B53A2DDD44A9}" type="datetimeFigureOut">
               <a:rPr lang="en-US" smtClean="0"/>
               <a:pPr/>
-              <a:t>7/8/2018</a:t>
+              <a:t>7/9/2018</a:t>
             </a:fld>
             <a:endParaRPr lang="en-US"/>
           </a:p>
@@ -1079,7 +1081,7 @@
             <a:fld id="{6E658DF8-B8C0-4C7F-85EB-B53A2DDD44A9}" type="datetimeFigureOut">
               <a:rPr lang="en-US" smtClean="0"/>
               <a:pPr/>
-              <a:t>7/8/2018</a:t>
+              <a:t>7/9/2018</a:t>
             </a:fld>
             <a:endParaRPr lang="en-US"/>
           </a:p>
@@ -1278,7 +1280,7 @@
             <a:fld id="{6E658DF8-B8C0-4C7F-85EB-B53A2DDD44A9}" type="datetimeFigureOut">
               <a:rPr lang="en-US" smtClean="0"/>
               <a:pPr/>
-              <a:t>7/8/2018</a:t>
+              <a:t>7/9/2018</a:t>
             </a:fld>
             <a:endParaRPr lang="en-US"/>
           </a:p>
@@ -1521,7 +1523,7 @@
             <a:fld id="{6E658DF8-B8C0-4C7F-85EB-B53A2DDD44A9}" type="datetimeFigureOut">
               <a:rPr lang="en-US" smtClean="0"/>
               <a:pPr/>
-              <a:t>7/8/2018</a:t>
+              <a:t>7/9/2018</a:t>
             </a:fld>
             <a:endParaRPr lang="en-US"/>
           </a:p>
@@ -1806,7 +1808,7 @@
             <a:fld id="{6E658DF8-B8C0-4C7F-85EB-B53A2DDD44A9}" type="datetimeFigureOut">
               <a:rPr lang="en-US" smtClean="0"/>
               <a:pPr/>
-              <a:t>7/8/2018</a:t>
+              <a:t>7/9/2018</a:t>
             </a:fld>
             <a:endParaRPr lang="en-US"/>
           </a:p>
@@ -2225,7 +2227,7 @@
             <a:fld id="{6E658DF8-B8C0-4C7F-85EB-B53A2DDD44A9}" type="datetimeFigureOut">
               <a:rPr lang="en-US" smtClean="0"/>
               <a:pPr/>
-              <a:t>7/8/2018</a:t>
+              <a:t>7/9/2018</a:t>
             </a:fld>
             <a:endParaRPr lang="en-US"/>
           </a:p>
@@ -2340,7 +2342,7 @@
             <a:fld id="{6E658DF8-B8C0-4C7F-85EB-B53A2DDD44A9}" type="datetimeFigureOut">
               <a:rPr lang="en-US" smtClean="0"/>
               <a:pPr/>
-              <a:t>7/8/2018</a:t>
+              <a:t>7/9/2018</a:t>
             </a:fld>
             <a:endParaRPr lang="en-US"/>
           </a:p>
@@ -2432,7 +2434,7 @@
             <a:fld id="{6E658DF8-B8C0-4C7F-85EB-B53A2DDD44A9}" type="datetimeFigureOut">
               <a:rPr lang="en-US" smtClean="0"/>
               <a:pPr/>
-              <a:t>7/8/2018</a:t>
+              <a:t>7/9/2018</a:t>
             </a:fld>
             <a:endParaRPr lang="en-US"/>
           </a:p>
@@ -2706,7 +2708,7 @@
             <a:fld id="{6E658DF8-B8C0-4C7F-85EB-B53A2DDD44A9}" type="datetimeFigureOut">
               <a:rPr lang="en-US" smtClean="0"/>
               <a:pPr/>
-              <a:t>7/8/2018</a:t>
+              <a:t>7/9/2018</a:t>
             </a:fld>
             <a:endParaRPr lang="en-US"/>
           </a:p>
@@ -2956,7 +2958,7 @@
             <a:fld id="{6E658DF8-B8C0-4C7F-85EB-B53A2DDD44A9}" type="datetimeFigureOut">
               <a:rPr lang="en-US" smtClean="0"/>
               <a:pPr/>
-              <a:t>7/8/2018</a:t>
+              <a:t>7/9/2018</a:t>
             </a:fld>
             <a:endParaRPr lang="en-US"/>
           </a:p>
@@ -3172,7 +3174,7 @@
             <a:fld id="{6E658DF8-B8C0-4C7F-85EB-B53A2DDD44A9}" type="datetimeFigureOut">
               <a:rPr lang="en-US" smtClean="0"/>
               <a:pPr/>
-              <a:t>7/8/2018</a:t>
+              <a:t>7/9/2018</a:t>
             </a:fld>
             <a:endParaRPr lang="en-US"/>
           </a:p>
@@ -5115,13 +5117,7 @@
               <a:rPr lang="en-US" dirty="0" smtClean="0">
                 <a:hlinkClick r:id="rId2"/>
               </a:rPr>
-              <a:t>http://</a:t>
-            </a:r>
-            <a:r>
-              <a:rPr lang="en-US" dirty="0" smtClean="0">
-                <a:hlinkClick r:id="rId2"/>
-              </a:rPr>
-              <a:t>bit.ly/2m0IoFz</a:t>
+              <a:t>http://bit.ly/2m0IoFz</a:t>
             </a:r>
             <a:endParaRPr lang="en-US" dirty="0" smtClean="0"/>
           </a:p>
@@ -5481,13 +5477,7 @@
               <a:rPr lang="en-US" dirty="0" smtClean="0">
                 <a:hlinkClick r:id="rId2"/>
               </a:rPr>
-              <a:t>http://</a:t>
-            </a:r>
-            <a:r>
-              <a:rPr lang="en-US" dirty="0" smtClean="0">
-                <a:hlinkClick r:id="rId2"/>
-              </a:rPr>
-              <a:t>bit.ly/2KJUIZF</a:t>
+              <a:t>http://bit.ly/2KJUIZF</a:t>
             </a:r>
             <a:endParaRPr lang="en-US" dirty="0" smtClean="0"/>
           </a:p>
@@ -6006,18 +5996,365 @@
           <a:bodyPr/>
           <a:lstStyle/>
           <a:p>
-            <a:endParaRPr lang="en-US"/>
-          </a:p>
-        </p:txBody>
-      </p:sp>
-      <p:sp>
-        <p:nvSpPr>
-          <p:cNvPr id="3" name="Content Placeholder 2"/>
-          <p:cNvSpPr>
-            <a:spLocks noGrp="1"/>
-          </p:cNvSpPr>
-          <p:nvPr>
-            <p:ph idx="1"/>
+            <a:r>
+              <a:rPr lang="en-US" dirty="0" smtClean="0"/>
+              <a:t>Escape Sequence</a:t>
+            </a:r>
+            <a:endParaRPr lang="en-US" dirty="0"/>
+          </a:p>
+        </p:txBody>
+      </p:sp>
+      <p:graphicFrame>
+        <p:nvGraphicFramePr>
+          <p:cNvPr id="4" name="Content Placeholder 5"/>
+          <p:cNvGraphicFramePr>
+            <a:graphicFrameLocks/>
+          </p:cNvGraphicFramePr>
+          <p:nvPr/>
+        </p:nvGraphicFramePr>
+        <p:xfrm>
+          <a:off x="609600" y="1828800"/>
+          <a:ext cx="8001000" cy="4267200"/>
+        </p:xfrm>
+        <a:graphic>
+          <a:graphicData uri="http://schemas.openxmlformats.org/drawingml/2006/table">
+            <a:tbl>
+              <a:tblPr firstRow="1" bandRow="1">
+                <a:tableStyleId>{00A15C55-8517-42AA-B614-E9B94910E393}</a:tableStyleId>
+              </a:tblPr>
+              <a:tblGrid>
+                <a:gridCol w="4645742"/>
+                <a:gridCol w="3355258"/>
+              </a:tblGrid>
+              <a:tr h="533400">
+                <a:tc>
+                  <a:txBody>
+                    <a:bodyPr/>
+                    <a:lstStyle/>
+                    <a:p>
+                      <a:pPr algn="ctr"/>
+                      <a:r>
+                        <a:rPr lang="en-US" sz="2500" dirty="0" smtClean="0"/>
+                        <a:t>Escape Sequence</a:t>
+                      </a:r>
+                      <a:endParaRPr lang="en-US" sz="2500" b="1" dirty="0">
+                        <a:latin typeface="Cambria" pitchFamily="18" charset="0"/>
+                      </a:endParaRPr>
+                    </a:p>
+                  </a:txBody>
+                  <a:tcPr anchor="ctr"/>
+                </a:tc>
+                <a:tc>
+                  <a:txBody>
+                    <a:bodyPr/>
+                    <a:lstStyle/>
+                    <a:p>
+                      <a:pPr algn="ctr"/>
+                      <a:r>
+                        <a:rPr lang="en-US" sz="2500" dirty="0" smtClean="0"/>
+                        <a:t>Name</a:t>
+                      </a:r>
+                      <a:endParaRPr lang="en-US" sz="2500" b="1" dirty="0">
+                        <a:latin typeface="Cambria" pitchFamily="18" charset="0"/>
+                      </a:endParaRPr>
+                    </a:p>
+                  </a:txBody>
+                  <a:tcPr anchor="ctr"/>
+                </a:tc>
+              </a:tr>
+              <a:tr h="533400">
+                <a:tc>
+                  <a:txBody>
+                    <a:bodyPr/>
+                    <a:lstStyle/>
+                    <a:p>
+                      <a:pPr algn="ctr"/>
+                      <a:r>
+                        <a:rPr lang="en-US" sz="1800" b="1" dirty="0" smtClean="0"/>
+                        <a:t>\n</a:t>
+                      </a:r>
+                      <a:endParaRPr lang="en-US" sz="1800" b="1" dirty="0">
+                        <a:latin typeface="Cambria" pitchFamily="18" charset="0"/>
+                      </a:endParaRPr>
+                    </a:p>
+                  </a:txBody>
+                  <a:tcPr marR="95250" anchor="ctr"/>
+                </a:tc>
+                <a:tc>
+                  <a:txBody>
+                    <a:bodyPr/>
+                    <a:lstStyle/>
+                    <a:p>
+                      <a:pPr algn="ctr"/>
+                      <a:r>
+                        <a:rPr lang="en-US" sz="1800" baseline="0" dirty="0" smtClean="0"/>
+                        <a:t>New Line</a:t>
+                      </a:r>
+                      <a:endParaRPr lang="en-US" sz="1800" dirty="0">
+                        <a:latin typeface="Cambria" pitchFamily="18" charset="0"/>
+                      </a:endParaRPr>
+                    </a:p>
+                  </a:txBody>
+                  <a:tcPr marL="95250" marR="95250" anchor="ctr"/>
+                </a:tc>
+              </a:tr>
+              <a:tr h="533400">
+                <a:tc>
+                  <a:txBody>
+                    <a:bodyPr/>
+                    <a:lstStyle/>
+                    <a:p>
+                      <a:pPr algn="ctr"/>
+                      <a:r>
+                        <a:rPr lang="en-US" sz="1800" b="1" dirty="0" smtClean="0"/>
+                        <a:t>\b</a:t>
+                      </a:r>
+                      <a:endParaRPr lang="en-US" sz="1800" b="1" dirty="0">
+                        <a:latin typeface="Cambria" pitchFamily="18" charset="0"/>
+                      </a:endParaRPr>
+                    </a:p>
+                  </a:txBody>
+                  <a:tcPr marR="95250" anchor="ctr"/>
+                </a:tc>
+                <a:tc>
+                  <a:txBody>
+                    <a:bodyPr/>
+                    <a:lstStyle/>
+                    <a:p>
+                      <a:pPr algn="ctr"/>
+                      <a:r>
+                        <a:rPr lang="en-US" sz="1800" dirty="0" smtClean="0"/>
+                        <a:t>Backspace</a:t>
+                      </a:r>
+                      <a:endParaRPr lang="en-US" sz="1800" dirty="0">
+                        <a:latin typeface="Cambria" pitchFamily="18" charset="0"/>
+                      </a:endParaRPr>
+                    </a:p>
+                  </a:txBody>
+                  <a:tcPr marL="95250" marR="95250" anchor="ctr"/>
+                </a:tc>
+              </a:tr>
+              <a:tr h="533400">
+                <a:tc>
+                  <a:txBody>
+                    <a:bodyPr/>
+                    <a:lstStyle/>
+                    <a:p>
+                      <a:pPr algn="ctr"/>
+                      <a:r>
+                        <a:rPr lang="en-US" sz="1800" b="1" dirty="0" smtClean="0"/>
+                        <a:t>\t</a:t>
+                      </a:r>
+                      <a:endParaRPr lang="en-US" sz="1800" b="1" dirty="0">
+                        <a:latin typeface="Cambria" pitchFamily="18" charset="0"/>
+                      </a:endParaRPr>
+                    </a:p>
+                  </a:txBody>
+                  <a:tcPr marR="95250" anchor="ctr"/>
+                </a:tc>
+                <a:tc>
+                  <a:txBody>
+                    <a:bodyPr/>
+                    <a:lstStyle/>
+                    <a:p>
+                      <a:pPr algn="ctr"/>
+                      <a:r>
+                        <a:rPr lang="en-US" sz="1800" dirty="0" smtClean="0"/>
+                        <a:t>Tab</a:t>
+                      </a:r>
+                      <a:endParaRPr lang="en-US" sz="1800" dirty="0">
+                        <a:latin typeface="Cambria" pitchFamily="18" charset="0"/>
+                      </a:endParaRPr>
+                    </a:p>
+                  </a:txBody>
+                  <a:tcPr marL="95250" marR="95250" anchor="ctr"/>
+                </a:tc>
+              </a:tr>
+              <a:tr h="533400">
+                <a:tc>
+                  <a:txBody>
+                    <a:bodyPr/>
+                    <a:lstStyle/>
+                    <a:p>
+                      <a:pPr algn="ctr"/>
+                      <a:r>
+                        <a:rPr lang="en-US" sz="1800" b="1" dirty="0" smtClean="0"/>
+                        <a:t>\r</a:t>
+                      </a:r>
+                      <a:endParaRPr lang="en-US" sz="1800" b="1" dirty="0">
+                        <a:latin typeface="Cambria" pitchFamily="18" charset="0"/>
+                      </a:endParaRPr>
+                    </a:p>
+                  </a:txBody>
+                  <a:tcPr marR="95250" anchor="ctr"/>
+                </a:tc>
+                <a:tc>
+                  <a:txBody>
+                    <a:bodyPr/>
+                    <a:lstStyle/>
+                    <a:p>
+                      <a:pPr algn="ctr"/>
+                      <a:r>
+                        <a:rPr lang="en-US" sz="1800" dirty="0" smtClean="0"/>
+                        <a:t>Carriage Return</a:t>
+                      </a:r>
+                      <a:endParaRPr lang="en-US" sz="1800" dirty="0">
+                        <a:latin typeface="Cambria" pitchFamily="18" charset="0"/>
+                      </a:endParaRPr>
+                    </a:p>
+                  </a:txBody>
+                  <a:tcPr marL="95250" marR="95250" anchor="ctr"/>
+                </a:tc>
+              </a:tr>
+              <a:tr h="533400">
+                <a:tc>
+                  <a:txBody>
+                    <a:bodyPr/>
+                    <a:lstStyle/>
+                    <a:p>
+                      <a:pPr algn="ctr"/>
+                      <a:r>
+                        <a:rPr lang="en-US" sz="1800" b="1" dirty="0" smtClean="0"/>
+                        <a:t>\”</a:t>
+                      </a:r>
+                      <a:endParaRPr lang="en-US" sz="1800" b="1" dirty="0">
+                        <a:latin typeface="Cambria" pitchFamily="18" charset="0"/>
+                      </a:endParaRPr>
+                    </a:p>
+                  </a:txBody>
+                  <a:tcPr marR="95250" anchor="ctr"/>
+                </a:tc>
+                <a:tc>
+                  <a:txBody>
+                    <a:bodyPr/>
+                    <a:lstStyle/>
+                    <a:p>
+                      <a:pPr algn="ctr"/>
+                      <a:r>
+                        <a:rPr lang="en-US" sz="1800" dirty="0" smtClean="0"/>
+                        <a:t>Double Quote</a:t>
+                      </a:r>
+                      <a:endParaRPr lang="en-US" sz="1800" dirty="0">
+                        <a:latin typeface="Cambria" pitchFamily="18" charset="0"/>
+                      </a:endParaRPr>
+                    </a:p>
+                  </a:txBody>
+                  <a:tcPr marL="95250" marR="95250" anchor="ctr"/>
+                </a:tc>
+              </a:tr>
+              <a:tr h="533400">
+                <a:tc>
+                  <a:txBody>
+                    <a:bodyPr/>
+                    <a:lstStyle/>
+                    <a:p>
+                      <a:pPr algn="ctr"/>
+                      <a:r>
+                        <a:rPr lang="en-US" sz="1800" b="1" dirty="0" smtClean="0"/>
+                        <a:t>\’</a:t>
+                      </a:r>
+                      <a:endParaRPr lang="en-US" sz="1800" b="1" dirty="0">
+                        <a:latin typeface="Cambria" pitchFamily="18" charset="0"/>
+                      </a:endParaRPr>
+                    </a:p>
+                  </a:txBody>
+                  <a:tcPr marR="95250" anchor="ctr"/>
+                </a:tc>
+                <a:tc>
+                  <a:txBody>
+                    <a:bodyPr/>
+                    <a:lstStyle/>
+                    <a:p>
+                      <a:pPr algn="ctr"/>
+                      <a:r>
+                        <a:rPr lang="en-US" sz="1800" dirty="0" smtClean="0"/>
+                        <a:t>Single Quote</a:t>
+                      </a:r>
+                      <a:endParaRPr lang="en-US" sz="1800" dirty="0">
+                        <a:latin typeface="Cambria" pitchFamily="18" charset="0"/>
+                      </a:endParaRPr>
+                    </a:p>
+                  </a:txBody>
+                  <a:tcPr marL="95250" marR="95250" anchor="ctr"/>
+                </a:tc>
+              </a:tr>
+              <a:tr h="533400">
+                <a:tc>
+                  <a:txBody>
+                    <a:bodyPr/>
+                    <a:lstStyle/>
+                    <a:p>
+                      <a:pPr algn="ctr"/>
+                      <a:r>
+                        <a:rPr lang="en-US" sz="1800" b="1" dirty="0" smtClean="0"/>
+                        <a:t>\\</a:t>
+                      </a:r>
+                      <a:endParaRPr lang="en-US" sz="1800" b="1" dirty="0">
+                        <a:latin typeface="Cambria" pitchFamily="18" charset="0"/>
+                      </a:endParaRPr>
+                    </a:p>
+                  </a:txBody>
+                  <a:tcPr marR="95250" anchor="ctr"/>
+                </a:tc>
+                <a:tc>
+                  <a:txBody>
+                    <a:bodyPr/>
+                    <a:lstStyle/>
+                    <a:p>
+                      <a:pPr algn="ctr"/>
+                      <a:r>
+                        <a:rPr lang="en-US" sz="1800" dirty="0" smtClean="0"/>
+                        <a:t>Back</a:t>
+                      </a:r>
+                      <a:r>
+                        <a:rPr lang="en-US" sz="1800" baseline="0" dirty="0" smtClean="0"/>
+                        <a:t>slash</a:t>
+                      </a:r>
+                      <a:endParaRPr lang="en-US" sz="1800" dirty="0">
+                        <a:latin typeface="Cambria" pitchFamily="18" charset="0"/>
+                      </a:endParaRPr>
+                    </a:p>
+                  </a:txBody>
+                  <a:tcPr marL="95250" marR="95250" anchor="ctr"/>
+                </a:tc>
+              </a:tr>
+            </a:tbl>
+          </a:graphicData>
+        </a:graphic>
+      </p:graphicFrame>
+    </p:spTree>
+  </p:cSld>
+  <p:clrMapOvr>
+    <a:masterClrMapping/>
+  </p:clrMapOvr>
+</p:sld>
+</file>
+
+<file path=ppt/slides/slide7.xml><?xml version="1.0" encoding="utf-8"?>
+<p:sld xmlns:a="http://schemas.openxmlformats.org/drawingml/2006/main" xmlns:r="http://schemas.openxmlformats.org/officeDocument/2006/relationships" xmlns:p="http://schemas.openxmlformats.org/presentationml/2006/main">
+  <p:cSld>
+    <p:spTree>
+      <p:nvGrpSpPr>
+        <p:cNvPr id="1" name=""/>
+        <p:cNvGrpSpPr/>
+        <p:nvPr/>
+      </p:nvGrpSpPr>
+      <p:grpSpPr>
+        <a:xfrm>
+          <a:off x="0" y="0"/>
+          <a:ext cx="0" cy="0"/>
+          <a:chOff x="0" y="0"/>
+          <a:chExt cx="0" cy="0"/>
+        </a:xfrm>
+      </p:grpSpPr>
+      <p:sp>
+        <p:nvSpPr>
+          <p:cNvPr id="2" name="Title 1"/>
+          <p:cNvSpPr>
+            <a:spLocks noGrp="1"/>
+          </p:cNvSpPr>
+          <p:nvPr>
+            <p:ph type="title"/>
           </p:nvPr>
         </p:nvSpPr>
         <p:spPr/>
@@ -6025,10 +6362,128 @@
           <a:bodyPr/>
           <a:lstStyle/>
           <a:p>
-            <a:endParaRPr lang="en-US"/>
-          </a:p>
-        </p:txBody>
-      </p:sp>
+            <a:r>
+              <a:rPr lang="en-US" dirty="0" smtClean="0"/>
+              <a:t>Variables in Java</a:t>
+            </a:r>
+            <a:endParaRPr lang="en-US" dirty="0"/>
+          </a:p>
+        </p:txBody>
+      </p:sp>
+      <p:sp>
+        <p:nvSpPr>
+          <p:cNvPr id="3" name="Content Placeholder 2"/>
+          <p:cNvSpPr>
+            <a:spLocks noGrp="1"/>
+          </p:cNvSpPr>
+          <p:nvPr>
+            <p:ph idx="1"/>
+          </p:nvPr>
+        </p:nvSpPr>
+        <p:spPr/>
+        <p:txBody>
+          <a:bodyPr/>
+          <a:lstStyle/>
+          <a:p>
+            <a:r>
+              <a:rPr lang="en-US" dirty="0" smtClean="0"/>
+              <a:t>All variables are statically typed.</a:t>
+            </a:r>
+            <a:endParaRPr lang="en-US" dirty="0" smtClean="0"/>
+          </a:p>
+          <a:p>
+            <a:r>
+              <a:rPr lang="en-US" dirty="0" smtClean="0"/>
+              <a:t>You can’t use the variable which is not declared.</a:t>
+            </a:r>
+          </a:p>
+          <a:p>
+            <a:endParaRPr lang="en-US" dirty="0" smtClean="0"/>
+          </a:p>
+        </p:txBody>
+      </p:sp>
+    </p:spTree>
+  </p:cSld>
+  <p:clrMapOvr>
+    <a:masterClrMapping/>
+  </p:clrMapOvr>
+</p:sld>
+</file>
+
+<file path=ppt/slides/slide8.xml><?xml version="1.0" encoding="utf-8"?>
+<p:sld xmlns:a="http://schemas.openxmlformats.org/drawingml/2006/main" xmlns:r="http://schemas.openxmlformats.org/officeDocument/2006/relationships" xmlns:p="http://schemas.openxmlformats.org/presentationml/2006/main">
+  <p:cSld>
+    <p:spTree>
+      <p:nvGrpSpPr>
+        <p:cNvPr id="1" name=""/>
+        <p:cNvGrpSpPr/>
+        <p:nvPr/>
+      </p:nvGrpSpPr>
+      <p:grpSpPr>
+        <a:xfrm>
+          <a:off x="0" y="0"/>
+          <a:ext cx="0" cy="0"/>
+          <a:chOff x="0" y="0"/>
+          <a:chExt cx="0" cy="0"/>
+        </a:xfrm>
+      </p:grpSpPr>
+      <p:sp>
+        <p:nvSpPr>
+          <p:cNvPr id="2" name="Title 1"/>
+          <p:cNvSpPr>
+            <a:spLocks noGrp="1"/>
+          </p:cNvSpPr>
+          <p:nvPr>
+            <p:ph type="title"/>
+          </p:nvPr>
+        </p:nvSpPr>
+        <p:spPr/>
+        <p:txBody>
+          <a:bodyPr>
+            <a:normAutofit fontScale="90000"/>
+          </a:bodyPr>
+          <a:lstStyle/>
+          <a:p>
+            <a:r>
+              <a:rPr lang="en-US" dirty="0" smtClean="0"/>
+              <a:t>Demo of Undeclared Variable Usage</a:t>
+            </a:r>
+            <a:endParaRPr lang="en-US" dirty="0"/>
+          </a:p>
+        </p:txBody>
+      </p:sp>
+      <p:pic>
+        <p:nvPicPr>
+          <p:cNvPr id="1026" name="Picture 2"/>
+          <p:cNvPicPr>
+            <a:picLocks noChangeAspect="1" noChangeArrowheads="1"/>
+          </p:cNvPicPr>
+          <p:nvPr/>
+        </p:nvPicPr>
+        <p:blipFill>
+          <a:blip r:embed="rId2" cstate="print"/>
+          <a:srcRect/>
+          <a:stretch>
+            <a:fillRect/>
+          </a:stretch>
+        </p:blipFill>
+        <p:spPr bwMode="auto">
+          <a:xfrm>
+            <a:off x="533400" y="1828800"/>
+            <a:ext cx="8229600" cy="4267200"/>
+          </a:xfrm>
+          <a:prstGeom prst="rect">
+            <a:avLst/>
+          </a:prstGeom>
+          <a:noFill/>
+          <a:ln w="9525">
+            <a:noFill/>
+            <a:miter lim="800000"/>
+            <a:headEnd/>
+            <a:tailEnd/>
+          </a:ln>
+        </p:spPr>
+      </p:pic>
     </p:spTree>
   </p:cSld>
   <p:clrMapOvr>

--- a/Slides/Unit 1/CS8382_U1_6_DataTypes.pptx
+++ b/Slides/Unit 1/CS8382_U1_6_DataTypes.pptx
@@ -5,7 +5,7 @@
     <p:sldMasterId id="2147483648" r:id="rId1"/>
   </p:sldMasterIdLst>
   <p:notesMasterIdLst>
-    <p:notesMasterId r:id="rId10"/>
+    <p:notesMasterId r:id="rId12"/>
   </p:notesMasterIdLst>
   <p:sldIdLst>
     <p:sldId id="256" r:id="rId2"/>
@@ -16,6 +16,8 @@
     <p:sldId id="261" r:id="rId7"/>
     <p:sldId id="262" r:id="rId8"/>
     <p:sldId id="263" r:id="rId9"/>
+    <p:sldId id="264" r:id="rId10"/>
+    <p:sldId id="265" r:id="rId11"/>
   </p:sldIdLst>
   <p:sldSz cx="9144000" cy="6858000" type="screen4x3"/>
   <p:notesSz cx="6858000" cy="9144000"/>
@@ -3691,6 +3693,86 @@
       </p:par>
     </p:tnLst>
   </p:timing>
+</p:sld>
+</file>
+
+<file path=ppt/slides/slide10.xml><?xml version="1.0" encoding="utf-8"?>
+<p:sld xmlns:a="http://schemas.openxmlformats.org/drawingml/2006/main" xmlns:r="http://schemas.openxmlformats.org/officeDocument/2006/relationships" xmlns:p="http://schemas.openxmlformats.org/presentationml/2006/main">
+  <p:cSld>
+    <p:spTree>
+      <p:nvGrpSpPr>
+        <p:cNvPr id="1" name=""/>
+        <p:cNvGrpSpPr/>
+        <p:nvPr/>
+      </p:nvGrpSpPr>
+      <p:grpSpPr>
+        <a:xfrm>
+          <a:off x="0" y="0"/>
+          <a:ext cx="0" cy="0"/>
+          <a:chOff x="0" y="0"/>
+          <a:chExt cx="0" cy="0"/>
+        </a:xfrm>
+      </p:grpSpPr>
+      <p:sp>
+        <p:nvSpPr>
+          <p:cNvPr id="2" name="Title 1"/>
+          <p:cNvSpPr>
+            <a:spLocks noGrp="1"/>
+          </p:cNvSpPr>
+          <p:nvPr>
+            <p:ph type="title"/>
+          </p:nvPr>
+        </p:nvSpPr>
+        <p:spPr/>
+        <p:txBody>
+          <a:bodyPr/>
+          <a:lstStyle/>
+          <a:p>
+            <a:r>
+              <a:rPr lang="en-US" dirty="0" smtClean="0"/>
+              <a:t>Demo of Proper use of Variable </a:t>
+            </a:r>
+            <a:endParaRPr lang="en-US" dirty="0"/>
+          </a:p>
+        </p:txBody>
+      </p:sp>
+      <p:pic>
+        <p:nvPicPr>
+          <p:cNvPr id="3074" name="Picture 2"/>
+          <p:cNvPicPr>
+            <a:picLocks noChangeAspect="1" noChangeArrowheads="1"/>
+          </p:cNvPicPr>
+          <p:nvPr/>
+        </p:nvPicPr>
+        <p:blipFill>
+          <a:blip r:embed="rId2" cstate="print"/>
+          <a:srcRect/>
+          <a:stretch>
+            <a:fillRect/>
+          </a:stretch>
+        </p:blipFill>
+        <p:spPr bwMode="auto">
+          <a:xfrm>
+            <a:off x="457200" y="1524000"/>
+            <a:ext cx="8234822" cy="4343400"/>
+          </a:xfrm>
+          <a:prstGeom prst="rect">
+            <a:avLst/>
+          </a:prstGeom>
+          <a:noFill/>
+          <a:ln w="9525">
+            <a:noFill/>
+            <a:miter lim="800000"/>
+            <a:headEnd/>
+            <a:tailEnd/>
+          </a:ln>
+        </p:spPr>
+      </p:pic>
+    </p:spTree>
+  </p:cSld>
+  <p:clrMapOvr>
+    <a:masterClrMapping/>
+  </p:clrMapOvr>
 </p:sld>
 </file>
 
@@ -6389,7 +6471,6 @@
               <a:rPr lang="en-US" dirty="0" smtClean="0"/>
               <a:t>All variables are statically typed.</a:t>
             </a:r>
-            <a:endParaRPr lang="en-US" dirty="0" smtClean="0"/>
           </a:p>
           <a:p>
             <a:r>
@@ -6454,7 +6535,7 @@
       </p:sp>
       <p:pic>
         <p:nvPicPr>
-          <p:cNvPr id="1026" name="Picture 2"/>
+          <p:cNvPr id="1028" name="Picture 4"/>
           <p:cNvPicPr>
             <a:picLocks noChangeAspect="1" noChangeArrowheads="1"/>
           </p:cNvPicPr>
@@ -6469,8 +6550,98 @@
         </p:blipFill>
         <p:spPr bwMode="auto">
           <a:xfrm>
-            <a:off x="533400" y="1828800"/>
-            <a:ext cx="8229600" cy="4267200"/>
+            <a:off x="457200" y="1600200"/>
+            <a:ext cx="8229600" cy="4639288"/>
+          </a:xfrm>
+          <a:prstGeom prst="rect">
+            <a:avLst/>
+          </a:prstGeom>
+          <a:noFill/>
+          <a:ln w="9525">
+            <a:noFill/>
+            <a:miter lim="800000"/>
+            <a:headEnd/>
+            <a:tailEnd/>
+          </a:ln>
+        </p:spPr>
+      </p:pic>
+    </p:spTree>
+  </p:cSld>
+  <p:clrMapOvr>
+    <a:masterClrMapping/>
+  </p:clrMapOvr>
+</p:sld>
+</file>
+
+<file path=ppt/slides/slide9.xml><?xml version="1.0" encoding="utf-8"?>
+<p:sld xmlns:a="http://schemas.openxmlformats.org/drawingml/2006/main" xmlns:r="http://schemas.openxmlformats.org/officeDocument/2006/relationships" xmlns:p="http://schemas.openxmlformats.org/presentationml/2006/main">
+  <p:cSld>
+    <p:spTree>
+      <p:nvGrpSpPr>
+        <p:cNvPr id="1" name=""/>
+        <p:cNvGrpSpPr/>
+        <p:nvPr/>
+      </p:nvGrpSpPr>
+      <p:grpSpPr>
+        <a:xfrm>
+          <a:off x="0" y="0"/>
+          <a:ext cx="0" cy="0"/>
+          <a:chOff x="0" y="0"/>
+          <a:chExt cx="0" cy="0"/>
+        </a:xfrm>
+      </p:grpSpPr>
+      <p:sp>
+        <p:nvSpPr>
+          <p:cNvPr id="2" name="Title 1"/>
+          <p:cNvSpPr>
+            <a:spLocks noGrp="1"/>
+          </p:cNvSpPr>
+          <p:nvPr>
+            <p:ph type="title"/>
+          </p:nvPr>
+        </p:nvSpPr>
+        <p:spPr/>
+        <p:txBody>
+          <a:bodyPr>
+            <a:normAutofit/>
+          </a:bodyPr>
+          <a:lstStyle/>
+          <a:p>
+            <a:r>
+              <a:rPr lang="en-US" sz="3500" dirty="0" smtClean="0"/>
+              <a:t>Demo of </a:t>
+            </a:r>
+            <a:r>
+              <a:rPr lang="en-US" sz="3500" dirty="0" smtClean="0"/>
+              <a:t>Uninitialized  </a:t>
+            </a:r>
+            <a:r>
+              <a:rPr lang="en-US" sz="3500" dirty="0" smtClean="0"/>
+              <a:t>Variable Usage</a:t>
+            </a:r>
+            <a:endParaRPr lang="en-US" sz="3500" dirty="0"/>
+          </a:p>
+        </p:txBody>
+      </p:sp>
+      <p:pic>
+        <p:nvPicPr>
+          <p:cNvPr id="2050" name="Picture 2"/>
+          <p:cNvPicPr>
+            <a:picLocks noChangeAspect="1" noChangeArrowheads="1"/>
+          </p:cNvPicPr>
+          <p:nvPr/>
+        </p:nvPicPr>
+        <p:blipFill>
+          <a:blip r:embed="rId2" cstate="print"/>
+          <a:srcRect/>
+          <a:stretch>
+            <a:fillRect/>
+          </a:stretch>
+        </p:blipFill>
+        <p:spPr bwMode="auto">
+          <a:xfrm>
+            <a:off x="457200" y="1524000"/>
+            <a:ext cx="8229600" cy="4340772"/>
           </a:xfrm>
           <a:prstGeom prst="rect">
             <a:avLst/>

--- a/Slides/Unit 1/CS8382_U1_6_DataTypes.pptx
+++ b/Slides/Unit 1/CS8382_U1_6_DataTypes.pptx
@@ -5,7 +5,7 @@
     <p:sldMasterId id="2147483648" r:id="rId1"/>
   </p:sldMasterIdLst>
   <p:notesMasterIdLst>
-    <p:notesMasterId r:id="rId12"/>
+    <p:notesMasterId r:id="rId15"/>
   </p:notesMasterIdLst>
   <p:sldIdLst>
     <p:sldId id="256" r:id="rId2"/>
@@ -18,6 +18,9 @@
     <p:sldId id="263" r:id="rId9"/>
     <p:sldId id="264" r:id="rId10"/>
     <p:sldId id="265" r:id="rId11"/>
+    <p:sldId id="266" r:id="rId12"/>
+    <p:sldId id="267" r:id="rId13"/>
+    <p:sldId id="268" r:id="rId14"/>
   </p:sldIdLst>
   <p:sldSz cx="9144000" cy="6858000" type="screen4x3"/>
   <p:notesSz cx="6858000" cy="9144000"/>
@@ -3755,6 +3758,249 @@
           <a:xfrm>
             <a:off x="457200" y="1524000"/>
             <a:ext cx="8234822" cy="4343400"/>
+          </a:xfrm>
+          <a:prstGeom prst="rect">
+            <a:avLst/>
+          </a:prstGeom>
+          <a:noFill/>
+          <a:ln w="9525">
+            <a:noFill/>
+            <a:miter lim="800000"/>
+            <a:headEnd/>
+            <a:tailEnd/>
+          </a:ln>
+        </p:spPr>
+      </p:pic>
+    </p:spTree>
+  </p:cSld>
+  <p:clrMapOvr>
+    <a:masterClrMapping/>
+  </p:clrMapOvr>
+</p:sld>
+</file>
+
+<file path=ppt/slides/slide11.xml><?xml version="1.0" encoding="utf-8"?>
+<p:sld xmlns:a="http://schemas.openxmlformats.org/drawingml/2006/main" xmlns:r="http://schemas.openxmlformats.org/officeDocument/2006/relationships" xmlns:p="http://schemas.openxmlformats.org/presentationml/2006/main">
+  <p:cSld>
+    <p:spTree>
+      <p:nvGrpSpPr>
+        <p:cNvPr id="1" name=""/>
+        <p:cNvGrpSpPr/>
+        <p:nvPr/>
+      </p:nvGrpSpPr>
+      <p:grpSpPr>
+        <a:xfrm>
+          <a:off x="0" y="0"/>
+          <a:ext cx="0" cy="0"/>
+          <a:chOff x="0" y="0"/>
+          <a:chExt cx="0" cy="0"/>
+        </a:xfrm>
+      </p:grpSpPr>
+      <p:sp>
+        <p:nvSpPr>
+          <p:cNvPr id="2" name="Title 1"/>
+          <p:cNvSpPr>
+            <a:spLocks noGrp="1"/>
+          </p:cNvSpPr>
+          <p:nvPr>
+            <p:ph type="title"/>
+          </p:nvPr>
+        </p:nvSpPr>
+        <p:spPr/>
+        <p:txBody>
+          <a:bodyPr/>
+          <a:lstStyle/>
+          <a:p>
+            <a:r>
+              <a:rPr lang="en-US" dirty="0" smtClean="0"/>
+              <a:t>Constants</a:t>
+            </a:r>
+            <a:endParaRPr lang="en-US" dirty="0"/>
+          </a:p>
+        </p:txBody>
+      </p:sp>
+      <p:sp>
+        <p:nvSpPr>
+          <p:cNvPr id="3" name="Content Placeholder 2"/>
+          <p:cNvSpPr>
+            <a:spLocks noGrp="1"/>
+          </p:cNvSpPr>
+          <p:nvPr>
+            <p:ph idx="1"/>
+          </p:nvPr>
+        </p:nvSpPr>
+        <p:spPr/>
+        <p:txBody>
+          <a:bodyPr/>
+          <a:lstStyle/>
+          <a:p>
+            <a:r>
+              <a:rPr lang="en-US" dirty="0" smtClean="0"/>
+              <a:t>Constants are unchangeable variable.</a:t>
+            </a:r>
+          </a:p>
+          <a:p>
+            <a:r>
+              <a:rPr lang="en-US" dirty="0" smtClean="0"/>
+              <a:t>It can be assigned only once.</a:t>
+            </a:r>
+          </a:p>
+          <a:p>
+            <a:r>
+              <a:rPr lang="en-US" dirty="0" smtClean="0"/>
+              <a:t>Then you can’t modify the value.</a:t>
+            </a:r>
+            <a:endParaRPr lang="en-US" dirty="0"/>
+          </a:p>
+        </p:txBody>
+      </p:sp>
+    </p:spTree>
+  </p:cSld>
+  <p:clrMapOvr>
+    <a:masterClrMapping/>
+  </p:clrMapOvr>
+</p:sld>
+</file>
+
+<file path=ppt/slides/slide12.xml><?xml version="1.0" encoding="utf-8"?>
+<p:sld xmlns:a="http://schemas.openxmlformats.org/drawingml/2006/main" xmlns:r="http://schemas.openxmlformats.org/officeDocument/2006/relationships" xmlns:p="http://schemas.openxmlformats.org/presentationml/2006/main">
+  <p:cSld>
+    <p:spTree>
+      <p:nvGrpSpPr>
+        <p:cNvPr id="1" name=""/>
+        <p:cNvGrpSpPr/>
+        <p:nvPr/>
+      </p:nvGrpSpPr>
+      <p:grpSpPr>
+        <a:xfrm>
+          <a:off x="0" y="0"/>
+          <a:ext cx="0" cy="0"/>
+          <a:chOff x="0" y="0"/>
+          <a:chExt cx="0" cy="0"/>
+        </a:xfrm>
+      </p:grpSpPr>
+      <p:sp>
+        <p:nvSpPr>
+          <p:cNvPr id="2" name="Title 1"/>
+          <p:cNvSpPr>
+            <a:spLocks noGrp="1"/>
+          </p:cNvSpPr>
+          <p:nvPr>
+            <p:ph type="title"/>
+          </p:nvPr>
+        </p:nvSpPr>
+        <p:spPr/>
+        <p:txBody>
+          <a:bodyPr/>
+          <a:lstStyle/>
+          <a:p>
+            <a:r>
+              <a:rPr lang="en-US" dirty="0" smtClean="0"/>
+              <a:t>Demo of Final Variable</a:t>
+            </a:r>
+            <a:endParaRPr lang="en-US" dirty="0"/>
+          </a:p>
+        </p:txBody>
+      </p:sp>
+      <p:pic>
+        <p:nvPicPr>
+          <p:cNvPr id="1026" name="Picture 2"/>
+          <p:cNvPicPr>
+            <a:picLocks noChangeAspect="1" noChangeArrowheads="1"/>
+          </p:cNvPicPr>
+          <p:nvPr/>
+        </p:nvPicPr>
+        <p:blipFill>
+          <a:blip r:embed="rId2" cstate="print"/>
+          <a:srcRect/>
+          <a:stretch>
+            <a:fillRect/>
+          </a:stretch>
+        </p:blipFill>
+        <p:spPr bwMode="auto">
+          <a:xfrm>
+            <a:off x="547688" y="1747838"/>
+            <a:ext cx="8048625" cy="3814762"/>
+          </a:xfrm>
+          <a:prstGeom prst="rect">
+            <a:avLst/>
+          </a:prstGeom>
+          <a:noFill/>
+          <a:ln w="9525">
+            <a:noFill/>
+            <a:miter lim="800000"/>
+            <a:headEnd/>
+            <a:tailEnd/>
+          </a:ln>
+        </p:spPr>
+      </p:pic>
+    </p:spTree>
+  </p:cSld>
+  <p:clrMapOvr>
+    <a:masterClrMapping/>
+  </p:clrMapOvr>
+</p:sld>
+</file>
+
+<file path=ppt/slides/slide13.xml><?xml version="1.0" encoding="utf-8"?>
+<p:sld xmlns:a="http://schemas.openxmlformats.org/drawingml/2006/main" xmlns:r="http://schemas.openxmlformats.org/officeDocument/2006/relationships" xmlns:p="http://schemas.openxmlformats.org/presentationml/2006/main">
+  <p:cSld>
+    <p:spTree>
+      <p:nvGrpSpPr>
+        <p:cNvPr id="1" name=""/>
+        <p:cNvGrpSpPr/>
+        <p:nvPr/>
+      </p:nvGrpSpPr>
+      <p:grpSpPr>
+        <a:xfrm>
+          <a:off x="0" y="0"/>
+          <a:ext cx="0" cy="0"/>
+          <a:chOff x="0" y="0"/>
+          <a:chExt cx="0" cy="0"/>
+        </a:xfrm>
+      </p:grpSpPr>
+      <p:sp>
+        <p:nvSpPr>
+          <p:cNvPr id="2" name="Title 1"/>
+          <p:cNvSpPr>
+            <a:spLocks noGrp="1"/>
+          </p:cNvSpPr>
+          <p:nvPr>
+            <p:ph type="title"/>
+          </p:nvPr>
+        </p:nvSpPr>
+        <p:spPr/>
+        <p:txBody>
+          <a:bodyPr/>
+          <a:lstStyle/>
+          <a:p>
+            <a:r>
+              <a:rPr lang="en-US" dirty="0" smtClean="0"/>
+              <a:t>Trying to change final value</a:t>
+            </a:r>
+            <a:endParaRPr lang="en-US" dirty="0"/>
+          </a:p>
+        </p:txBody>
+      </p:sp>
+      <p:pic>
+        <p:nvPicPr>
+          <p:cNvPr id="2050" name="Picture 2"/>
+          <p:cNvPicPr>
+            <a:picLocks noChangeAspect="1" noChangeArrowheads="1"/>
+          </p:cNvPicPr>
+          <p:nvPr/>
+        </p:nvPicPr>
+        <p:blipFill>
+          <a:blip r:embed="rId2" cstate="print"/>
+          <a:srcRect/>
+          <a:stretch>
+            <a:fillRect/>
+          </a:stretch>
+        </p:blipFill>
+        <p:spPr bwMode="auto">
+          <a:xfrm>
+            <a:off x="385763" y="1638300"/>
+            <a:ext cx="8372475" cy="4762500"/>
           </a:xfrm>
           <a:prstGeom prst="rect">
             <a:avLst/>
@@ -6609,15 +6855,7 @@
           <a:p>
             <a:r>
               <a:rPr lang="en-US" sz="3500" dirty="0" smtClean="0"/>
-              <a:t>Demo of </a:t>
-            </a:r>
-            <a:r>
-              <a:rPr lang="en-US" sz="3500" dirty="0" smtClean="0"/>
-              <a:t>Uninitialized  </a:t>
-            </a:r>
-            <a:r>
-              <a:rPr lang="en-US" sz="3500" dirty="0" smtClean="0"/>
-              <a:t>Variable Usage</a:t>
+              <a:t>Demo of Uninitialized  Variable Usage</a:t>
             </a:r>
             <a:endParaRPr lang="en-US" sz="3500" dirty="0"/>
           </a:p>
